--- a/docs/papers/2017_Delfi/EAsLiT_Delfi_2017_Vortrag.pptx
+++ b/docs/papers/2017_Delfi/EAsLiT_Delfi_2017_Vortrag.pptx
@@ -5,7 +5,7 @@
     <p:sldMasterId id="2147483660" r:id="rId1"/>
   </p:sldMasterIdLst>
   <p:notesMasterIdLst>
-    <p:notesMasterId r:id="rId18"/>
+    <p:notesMasterId r:id="rId15"/>
   </p:notesMasterIdLst>
   <p:sldIdLst>
     <p:sldId id="260" r:id="rId2"/>
@@ -21,9 +21,6 @@
     <p:sldId id="267" r:id="rId12"/>
     <p:sldId id="268" r:id="rId13"/>
     <p:sldId id="269" r:id="rId14"/>
-    <p:sldId id="279" r:id="rId15"/>
-    <p:sldId id="275" r:id="rId16"/>
-    <p:sldId id="276" r:id="rId17"/>
   </p:sldIdLst>
   <p:sldSz cx="9144000" cy="6858000" type="screen4x3"/>
   <p:notesSz cx="6858000" cy="9144000"/>
@@ -212,7 +209,7 @@
           <a:p>
             <a:fld id="{FD798601-B567-4418-90E6-6A3C1F1D0B26}" type="datetimeFigureOut">
               <a:rPr lang="de-DE" smtClean="0"/>
-              <a:t>22.08.2017</a:t>
+              <a:t>23.08.2017</a:t>
             </a:fld>
             <a:endParaRPr lang="de-DE"/>
           </a:p>
@@ -480,6 +477,131 @@
 </p:notesMaster>
 </file>
 
+<file path=ppt/notesSlides/notesSlide1.xml><?xml version="1.0" encoding="utf-8"?>
+<p:notes xmlns:a="http://schemas.openxmlformats.org/drawingml/2006/main" xmlns:r="http://schemas.openxmlformats.org/officeDocument/2006/relationships" xmlns:p="http://schemas.openxmlformats.org/presentationml/2006/main">
+  <p:cSld>
+    <p:spTree>
+      <p:nvGrpSpPr>
+        <p:cNvPr id="1" name=""/>
+        <p:cNvGrpSpPr/>
+        <p:nvPr/>
+      </p:nvGrpSpPr>
+      <p:grpSpPr>
+        <a:xfrm>
+          <a:off x="0" y="0"/>
+          <a:ext cx="0" cy="0"/>
+          <a:chOff x="0" y="0"/>
+          <a:chExt cx="0" cy="0"/>
+        </a:xfrm>
+      </p:grpSpPr>
+      <p:sp>
+        <p:nvSpPr>
+          <p:cNvPr id="2" name="Folienbildplatzhalter 1"/>
+          <p:cNvSpPr>
+            <a:spLocks noGrp="1" noRot="1" noChangeAspect="1"/>
+          </p:cNvSpPr>
+          <p:nvPr>
+            <p:ph type="sldImg"/>
+          </p:nvPr>
+        </p:nvSpPr>
+        <p:spPr/>
+      </p:sp>
+      <p:sp>
+        <p:nvSpPr>
+          <p:cNvPr id="3" name="Notizenplatzhalter 2"/>
+          <p:cNvSpPr>
+            <a:spLocks noGrp="1"/>
+          </p:cNvSpPr>
+          <p:nvPr>
+            <p:ph type="body" idx="1"/>
+          </p:nvPr>
+        </p:nvSpPr>
+        <p:spPr/>
+        <p:txBody>
+          <a:bodyPr/>
+          <a:lstStyle/>
+          <a:p>
+            <a:r>
+              <a:rPr lang="de-DE" dirty="0" smtClean="0"/>
+              <a:t>Datensilos, umständliche Austauschformate</a:t>
+            </a:r>
+          </a:p>
+          <a:p>
+            <a:r>
+              <a:rPr lang="de-DE" dirty="0" smtClean="0"/>
+              <a:t>Große Kohorten </a:t>
+            </a:r>
+            <a:r>
+              <a:rPr lang="de-DE" dirty="0" smtClean="0">
+                <a:sym typeface="Wingdings" panose="05000000000000000000" pitchFamily="2" charset="2"/>
+              </a:rPr>
+              <a:t> mehrere</a:t>
+            </a:r>
+            <a:r>
+              <a:rPr lang="de-DE" baseline="0" dirty="0" smtClean="0">
+                <a:sym typeface="Wingdings" panose="05000000000000000000" pitchFamily="2" charset="2"/>
+              </a:rPr>
+              <a:t> Prüfungsdurchgänge, wenn Test-Center begrenzte Kapazität</a:t>
+            </a:r>
+          </a:p>
+          <a:p>
+            <a:endParaRPr lang="de-DE" dirty="0" smtClean="0"/>
+          </a:p>
+          <a:p>
+            <a:r>
+              <a:rPr lang="de-DE" dirty="0" smtClean="0"/>
+              <a:t>Wie stelle ich eine Aufgabe so, dass sie</a:t>
+            </a:r>
+            <a:r>
+              <a:rPr lang="de-DE" baseline="0" dirty="0" smtClean="0"/>
+              <a:t> eine definierte Kompetenz wirklich prüft / abbildet</a:t>
+            </a:r>
+          </a:p>
+          <a:p>
+            <a:r>
+              <a:rPr lang="de-DE" baseline="0" dirty="0" smtClean="0"/>
+              <a:t>„Technische“ Fehler </a:t>
+            </a:r>
+            <a:endParaRPr lang="de-DE" dirty="0"/>
+          </a:p>
+        </p:txBody>
+      </p:sp>
+      <p:sp>
+        <p:nvSpPr>
+          <p:cNvPr id="4" name="Foliennummernplatzhalter 3"/>
+          <p:cNvSpPr>
+            <a:spLocks noGrp="1"/>
+          </p:cNvSpPr>
+          <p:nvPr>
+            <p:ph type="sldNum" sz="quarter" idx="10"/>
+          </p:nvPr>
+        </p:nvSpPr>
+        <p:spPr/>
+        <p:txBody>
+          <a:bodyPr/>
+          <a:lstStyle/>
+          <a:p>
+            <a:fld id="{FD87080C-DF5D-4508-8D57-52E64401F1ED}" type="slidenum">
+              <a:rPr lang="de-DE" smtClean="0"/>
+              <a:t>2</a:t>
+            </a:fld>
+            <a:endParaRPr lang="de-DE"/>
+          </a:p>
+        </p:txBody>
+      </p:sp>
+    </p:spTree>
+    <p:extLst>
+      <p:ext uri="{BB962C8B-B14F-4D97-AF65-F5344CB8AC3E}">
+        <p14:creationId xmlns:p14="http://schemas.microsoft.com/office/powerpoint/2010/main" val="3357549602"/>
+      </p:ext>
+    </p:extLst>
+  </p:cSld>
+  <p:clrMapOvr>
+    <a:masterClrMapping/>
+  </p:clrMapOvr>
+</p:notes>
+</file>
+
 <file path=ppt/slideLayouts/slideLayout1.xml><?xml version="1.0" encoding="utf-8"?>
 <p:sldLayout xmlns:a="http://schemas.openxmlformats.org/drawingml/2006/main" xmlns:r="http://schemas.openxmlformats.org/officeDocument/2006/relationships" xmlns:p="http://schemas.openxmlformats.org/presentationml/2006/main" type="title" preserve="1">
   <p:cSld name="Titelfolie">
@@ -611,7 +733,7 @@
           <a:p>
             <a:fld id="{1E13E174-3914-4D58-9E24-2A0CC84D465E}" type="datetimeFigureOut">
               <a:rPr lang="de-DE" smtClean="0"/>
-              <a:t>22.08.2017</a:t>
+              <a:t>23.08.2017</a:t>
             </a:fld>
             <a:endParaRPr lang="de-DE"/>
           </a:p>
@@ -788,7 +910,7 @@
           <a:p>
             <a:fld id="{1E13E174-3914-4D58-9E24-2A0CC84D465E}" type="datetimeFigureOut">
               <a:rPr lang="de-DE" smtClean="0"/>
-              <a:t>22.08.2017</a:t>
+              <a:t>23.08.2017</a:t>
             </a:fld>
             <a:endParaRPr lang="de-DE"/>
           </a:p>
@@ -968,7 +1090,7 @@
           <a:p>
             <a:fld id="{1E13E174-3914-4D58-9E24-2A0CC84D465E}" type="datetimeFigureOut">
               <a:rPr lang="de-DE" smtClean="0"/>
-              <a:t>22.08.2017</a:t>
+              <a:t>23.08.2017</a:t>
             </a:fld>
             <a:endParaRPr lang="de-DE"/>
           </a:p>
@@ -1477,7 +1599,7 @@
           <a:p>
             <a:fld id="{1E13E174-3914-4D58-9E24-2A0CC84D465E}" type="datetimeFigureOut">
               <a:rPr lang="de-DE" smtClean="0"/>
-              <a:t>22.08.2017</a:t>
+              <a:t>23.08.2017</a:t>
             </a:fld>
             <a:endParaRPr lang="de-DE"/>
           </a:p>
@@ -1716,7 +1838,7 @@
           <a:p>
             <a:fld id="{1E13E174-3914-4D58-9E24-2A0CC84D465E}" type="datetimeFigureOut">
               <a:rPr lang="de-DE" smtClean="0"/>
-              <a:t>22.08.2017</a:t>
+              <a:t>23.08.2017</a:t>
             </a:fld>
             <a:endParaRPr lang="de-DE"/>
           </a:p>
@@ -2083,7 +2205,7 @@
           <a:p>
             <a:fld id="{1E13E174-3914-4D58-9E24-2A0CC84D465E}" type="datetimeFigureOut">
               <a:rPr lang="de-DE" smtClean="0"/>
-              <a:t>22.08.2017</a:t>
+              <a:t>23.08.2017</a:t>
             </a:fld>
             <a:endParaRPr lang="de-DE"/>
           </a:p>
@@ -2201,7 +2323,7 @@
           <a:p>
             <a:fld id="{1E13E174-3914-4D58-9E24-2A0CC84D465E}" type="datetimeFigureOut">
               <a:rPr lang="de-DE" smtClean="0"/>
-              <a:t>22.08.2017</a:t>
+              <a:t>23.08.2017</a:t>
             </a:fld>
             <a:endParaRPr lang="de-DE"/>
           </a:p>
@@ -2296,7 +2418,7 @@
           <a:p>
             <a:fld id="{1E13E174-3914-4D58-9E24-2A0CC84D465E}" type="datetimeFigureOut">
               <a:rPr lang="de-DE" smtClean="0"/>
-              <a:t>22.08.2017</a:t>
+              <a:t>23.08.2017</a:t>
             </a:fld>
             <a:endParaRPr lang="de-DE"/>
           </a:p>
@@ -2573,7 +2695,7 @@
           <a:p>
             <a:fld id="{1E13E174-3914-4D58-9E24-2A0CC84D465E}" type="datetimeFigureOut">
               <a:rPr lang="de-DE" smtClean="0"/>
-              <a:t>22.08.2017</a:t>
+              <a:t>23.08.2017</a:t>
             </a:fld>
             <a:endParaRPr lang="de-DE"/>
           </a:p>
@@ -2830,7 +2952,7 @@
           <a:p>
             <a:fld id="{1E13E174-3914-4D58-9E24-2A0CC84D465E}" type="datetimeFigureOut">
               <a:rPr lang="de-DE" smtClean="0"/>
-              <a:t>22.08.2017</a:t>
+              <a:t>23.08.2017</a:t>
             </a:fld>
             <a:endParaRPr lang="de-DE"/>
           </a:p>
@@ -3043,7 +3165,7 @@
           <a:p>
             <a:fld id="{1E13E174-3914-4D58-9E24-2A0CC84D465E}" type="datetimeFigureOut">
               <a:rPr lang="de-DE" smtClean="0"/>
-              <a:t>22.08.2017</a:t>
+              <a:t>23.08.2017</a:t>
             </a:fld>
             <a:endParaRPr lang="de-DE"/>
           </a:p>
@@ -3798,6 +3920,14 @@
   <p:clrMapOvr>
     <a:masterClrMapping/>
   </p:clrMapOvr>
+  <mc:AlternateContent xmlns:mc="http://schemas.openxmlformats.org/markup-compatibility/2006">
+    <mc:Choice xmlns:p14="http://schemas.microsoft.com/office/powerpoint/2010/main" Requires="p14">
+      <p:transition spd="slow" p14:dur="2000"/>
+    </mc:Choice>
+    <mc:Fallback>
+      <p:transition spd="slow"/>
+    </mc:Fallback>
+  </mc:AlternateContent>
   <p:timing>
     <p:tnLst>
       <p:par>
@@ -4024,6 +4154,14 @@
   <p:clrMapOvr>
     <a:masterClrMapping/>
   </p:clrMapOvr>
+  <mc:AlternateContent xmlns:mc="http://schemas.openxmlformats.org/markup-compatibility/2006">
+    <mc:Choice xmlns:p14="http://schemas.microsoft.com/office/powerpoint/2010/main" Requires="p14">
+      <p:transition spd="slow" p14:dur="2000"/>
+    </mc:Choice>
+    <mc:Fallback>
+      <p:transition spd="slow"/>
+    </mc:Fallback>
+  </mc:AlternateContent>
   <p:timing>
     <p:tnLst>
       <p:par>
@@ -4441,6 +4579,14 @@
   <p:clrMapOvr>
     <a:masterClrMapping/>
   </p:clrMapOvr>
+  <mc:AlternateContent xmlns:mc="http://schemas.openxmlformats.org/markup-compatibility/2006">
+    <mc:Choice xmlns:p14="http://schemas.microsoft.com/office/powerpoint/2010/main" Requires="p14">
+      <p:transition spd="slow" p14:dur="2000"/>
+    </mc:Choice>
+    <mc:Fallback>
+      <p:transition spd="slow"/>
+    </mc:Fallback>
+  </mc:AlternateContent>
   <p:timing>
     <p:tnLst>
       <p:par>
@@ -4783,17 +4929,41 @@
             </a:r>
             <a:r>
               <a:rPr lang="de-DE" dirty="0" smtClean="0"/>
-              <a:t>Lern-Management-Systeme (QTI)</a:t>
+              <a:t>Lern-Management-Systeme (QTI</a:t>
+            </a:r>
+            <a:r>
+              <a:rPr lang="de-DE" dirty="0" smtClean="0"/>
+              <a:t>)</a:t>
             </a:r>
             <a:endParaRPr lang="de-DE" dirty="0"/>
           </a:p>
+        </p:txBody>
+      </p:sp>
+      <p:sp>
+        <p:nvSpPr>
+          <p:cNvPr id="4" name="Rechteck 3"/>
+          <p:cNvSpPr/>
+          <p:nvPr/>
+        </p:nvSpPr>
+        <p:spPr>
+          <a:xfrm>
+            <a:off x="5130674" y="478544"/>
+            <a:ext cx="3725956" cy="369332"/>
+          </a:xfrm>
+          <a:prstGeom prst="rect">
+            <a:avLst/>
+          </a:prstGeom>
+        </p:spPr>
+        <p:txBody>
+          <a:bodyPr wrap="none">
+            <a:spAutoFit/>
+          </a:bodyPr>
+          <a:lstStyle/>
           <a:p>
             <a:r>
               <a:rPr lang="de-DE" dirty="0"/>
               <a:t>https://github.com/andreas-thor/eal/</a:t>
             </a:r>
-          </a:p>
-          <a:p>
             <a:endParaRPr lang="de-DE" dirty="0"/>
           </a:p>
         </p:txBody>
@@ -4802,149 +4972,6 @@
     <p:extLst>
       <p:ext uri="{BB962C8B-B14F-4D97-AF65-F5344CB8AC3E}">
         <p14:creationId xmlns:p14="http://schemas.microsoft.com/office/powerpoint/2010/main" val="783420445"/>
-      </p:ext>
-    </p:extLst>
-  </p:cSld>
-  <p:clrMapOvr>
-    <a:masterClrMapping/>
-  </p:clrMapOvr>
-  <p:timing>
-    <p:tnLst>
-      <p:par>
-        <p:cTn id="1" dur="indefinite" restart="never" nodeType="tmRoot"/>
-      </p:par>
-    </p:tnLst>
-  </p:timing>
-</p:sld>
-</file>
-
-<file path=ppt/slides/slide13.xml><?xml version="1.0" encoding="utf-8"?>
-<p:sld xmlns:a="http://schemas.openxmlformats.org/drawingml/2006/main" xmlns:r="http://schemas.openxmlformats.org/officeDocument/2006/relationships" xmlns:p="http://schemas.openxmlformats.org/presentationml/2006/main" show="0">
-  <p:cSld>
-    <p:spTree>
-      <p:nvGrpSpPr>
-        <p:cNvPr id="1" name=""/>
-        <p:cNvGrpSpPr/>
-        <p:nvPr/>
-      </p:nvGrpSpPr>
-      <p:grpSpPr>
-        <a:xfrm>
-          <a:off x="0" y="0"/>
-          <a:ext cx="0" cy="0"/>
-          <a:chOff x="0" y="0"/>
-          <a:chExt cx="0" cy="0"/>
-        </a:xfrm>
-      </p:grpSpPr>
-      <p:sp>
-        <p:nvSpPr>
-          <p:cNvPr id="2" name="Titel 1"/>
-          <p:cNvSpPr>
-            <a:spLocks noGrp="1"/>
-          </p:cNvSpPr>
-          <p:nvPr>
-            <p:ph type="title"/>
-          </p:nvPr>
-        </p:nvSpPr>
-        <p:spPr/>
-        <p:txBody>
-          <a:bodyPr/>
-          <a:lstStyle/>
-          <a:p>
-            <a:endParaRPr lang="de-DE"/>
-          </a:p>
-        </p:txBody>
-      </p:sp>
-      <p:sp>
-        <p:nvSpPr>
-          <p:cNvPr id="3" name="Inhaltsplatzhalter 2"/>
-          <p:cNvSpPr>
-            <a:spLocks noGrp="1"/>
-          </p:cNvSpPr>
-          <p:nvPr>
-            <p:ph idx="1"/>
-          </p:nvPr>
-        </p:nvSpPr>
-        <p:spPr/>
-        <p:txBody>
-          <a:bodyPr>
-            <a:normAutofit/>
-          </a:bodyPr>
-          <a:lstStyle/>
-          <a:p>
-            <a:r>
-              <a:rPr lang="de-DE" dirty="0" smtClean="0"/>
-              <a:t>Werkzeug zur </a:t>
-            </a:r>
-            <a:r>
-              <a:rPr lang="de-DE" dirty="0"/>
-              <a:t>Unterstützung eines hochschuldidaktischen Workflows zur Qualitätssicherung beim E-Assessment</a:t>
-            </a:r>
-          </a:p>
-          <a:p>
-            <a:endParaRPr lang="de-DE" dirty="0"/>
-          </a:p>
-          <a:p>
-            <a:r>
-              <a:rPr lang="de-DE" dirty="0" smtClean="0"/>
-              <a:t>Kompetenz-orientiertes Prüfen durch </a:t>
-            </a:r>
-            <a:r>
-              <a:rPr lang="de-DE" dirty="0"/>
-              <a:t>Definition von Learning </a:t>
-            </a:r>
-            <a:r>
-              <a:rPr lang="de-DE" dirty="0" smtClean="0"/>
-              <a:t>Outcomes</a:t>
-            </a:r>
-          </a:p>
-          <a:p>
-            <a:r>
-              <a:rPr lang="de-DE" dirty="0"/>
-              <a:t>Annotation von </a:t>
-            </a:r>
-            <a:r>
-              <a:rPr lang="de-DE" dirty="0" smtClean="0"/>
-              <a:t>Items und Reviews, u.a. thematisch und Anforderungsstufen</a:t>
-            </a:r>
-            <a:endParaRPr lang="de-DE" dirty="0"/>
-          </a:p>
-          <a:p>
-            <a:r>
-              <a:rPr lang="de-DE" dirty="0" smtClean="0"/>
-              <a:t>Qualitätssicherung durch </a:t>
-            </a:r>
-            <a:r>
-              <a:rPr lang="de-DE" dirty="0" err="1" smtClean="0"/>
-              <a:t>Reviewing</a:t>
-            </a:r>
-            <a:r>
-              <a:rPr lang="de-DE" dirty="0" smtClean="0"/>
-              <a:t> von </a:t>
-            </a:r>
-            <a:r>
-              <a:rPr lang="de-DE" dirty="0"/>
-              <a:t>Items</a:t>
-            </a:r>
-          </a:p>
-          <a:p>
-            <a:r>
-              <a:rPr lang="de-DE" dirty="0" smtClean="0"/>
-              <a:t>Analyse </a:t>
-            </a:r>
-            <a:r>
-              <a:rPr lang="de-DE" dirty="0"/>
-              <a:t>und Bewertung von E-Klausuren, z.B. hinsichtlich Vergleichbarkeit</a:t>
-            </a:r>
-          </a:p>
-          <a:p>
-            <a:endParaRPr lang="de-DE" dirty="0"/>
-          </a:p>
-        </p:txBody>
-      </p:sp>
-    </p:spTree>
-    <p:extLst>
-      <p:ext uri="{BB962C8B-B14F-4D97-AF65-F5344CB8AC3E}">
-        <p14:creationId xmlns:p14="http://schemas.microsoft.com/office/powerpoint/2010/main" val="4093248823"/>
       </p:ext>
     </p:extLst>
   </p:cSld>
@@ -4969,7 +4996,7 @@
 </p:sld>
 </file>
 
-<file path=ppt/slides/slide14.xml><?xml version="1.0" encoding="utf-8"?>
+<file path=ppt/slides/slide13.xml><?xml version="1.0" encoding="utf-8"?>
 <p:sld xmlns:a="http://schemas.openxmlformats.org/drawingml/2006/main" xmlns:r="http://schemas.openxmlformats.org/officeDocument/2006/relationships" xmlns:p="http://schemas.openxmlformats.org/presentationml/2006/main">
   <p:cSld>
     <p:spTree>
@@ -4993,132 +5020,205 @@
             <a:spLocks noGrp="1"/>
           </p:cNvSpPr>
           <p:nvPr>
-            <p:ph type="ctrTitle"/>
+            <p:ph type="title"/>
           </p:nvPr>
         </p:nvSpPr>
-        <p:spPr>
-          <a:xfrm>
-            <a:off x="0" y="889001"/>
-            <a:ext cx="9144000" cy="3139357"/>
-          </a:xfrm>
-          <a:solidFill>
-            <a:schemeClr val="bg1">
-              <a:lumMod val="95000"/>
-            </a:schemeClr>
-          </a:solidFill>
-        </p:spPr>
-        <p:txBody>
-          <a:bodyPr anchor="ctr">
-            <a:normAutofit/>
-          </a:bodyPr>
-          <a:lstStyle/>
-          <a:p>
-            <a:r>
-              <a:rPr lang="de-DE" sz="4800" dirty="0">
-                <a:latin typeface="+mn-lt"/>
-                <a:cs typeface="Times New Roman" panose="02020603050405020304" pitchFamily="18" charset="0"/>
-              </a:rPr>
-              <a:t>Ontologie-basiertes E-Assessment für </a:t>
-            </a:r>
-            <a:r>
-              <a:rPr lang="de-DE" sz="4800" dirty="0" err="1">
-                <a:latin typeface="+mn-lt"/>
-                <a:cs typeface="Times New Roman" panose="02020603050405020304" pitchFamily="18" charset="0"/>
-              </a:rPr>
-              <a:t>Advanced</a:t>
-            </a:r>
-            <a:r>
-              <a:rPr lang="de-DE" sz="4800" dirty="0">
-                <a:latin typeface="+mn-lt"/>
-                <a:cs typeface="Times New Roman" panose="02020603050405020304" pitchFamily="18" charset="0"/>
-              </a:rPr>
-              <a:t> </a:t>
-            </a:r>
-            <a:r>
-              <a:rPr lang="de-DE" sz="4800" dirty="0" err="1">
-                <a:latin typeface="+mn-lt"/>
-                <a:cs typeface="Times New Roman" panose="02020603050405020304" pitchFamily="18" charset="0"/>
-              </a:rPr>
-              <a:t>Examination</a:t>
-            </a:r>
-            <a:r>
-              <a:rPr lang="de-DE" sz="4800" dirty="0">
-                <a:latin typeface="+mn-lt"/>
-                <a:cs typeface="Times New Roman" panose="02020603050405020304" pitchFamily="18" charset="0"/>
-              </a:rPr>
-              <a:t> Spaces</a:t>
-            </a:r>
-          </a:p>
-        </p:txBody>
-      </p:sp>
-      <p:sp>
-        <p:nvSpPr>
-          <p:cNvPr id="3" name="Untertitel 2"/>
+        <p:spPr/>
+        <p:txBody>
+          <a:bodyPr/>
+          <a:lstStyle/>
+          <a:p>
+            <a:r>
+              <a:rPr lang="de-DE" dirty="0" smtClean="0"/>
+              <a:t>Zusammenfassung</a:t>
+            </a:r>
+            <a:endParaRPr lang="de-DE" dirty="0"/>
+          </a:p>
+        </p:txBody>
+      </p:sp>
+      <p:sp>
+        <p:nvSpPr>
+          <p:cNvPr id="3" name="Inhaltsplatzhalter 2"/>
           <p:cNvSpPr>
             <a:spLocks noGrp="1"/>
           </p:cNvSpPr>
           <p:nvPr>
-            <p:ph type="subTitle" idx="1"/>
+            <p:ph idx="1"/>
           </p:nvPr>
         </p:nvSpPr>
+        <p:spPr/>
+        <p:txBody>
+          <a:bodyPr>
+            <a:normAutofit/>
+          </a:bodyPr>
+          <a:lstStyle/>
+          <a:p>
+            <a:r>
+              <a:rPr lang="de-DE" dirty="0" smtClean="0"/>
+              <a:t>Werkzeug zur </a:t>
+            </a:r>
+            <a:r>
+              <a:rPr lang="de-DE" dirty="0"/>
+              <a:t>Unterstützung eines hochschuldidaktischen Workflows zur Qualitätssicherung beim E-Assessment</a:t>
+            </a:r>
+          </a:p>
+          <a:p>
+            <a:endParaRPr lang="de-DE" dirty="0"/>
+          </a:p>
+          <a:p>
+            <a:r>
+              <a:rPr lang="de-DE" dirty="0" smtClean="0"/>
+              <a:t>Kompetenz-orientiertes Prüfen durch </a:t>
+            </a:r>
+            <a:r>
+              <a:rPr lang="de-DE" dirty="0"/>
+              <a:t>Definition von Learning </a:t>
+            </a:r>
+            <a:r>
+              <a:rPr lang="de-DE" dirty="0" smtClean="0"/>
+              <a:t>Outcomes</a:t>
+            </a:r>
+          </a:p>
+          <a:p>
+            <a:r>
+              <a:rPr lang="de-DE" dirty="0"/>
+              <a:t>Annotation von </a:t>
+            </a:r>
+            <a:r>
+              <a:rPr lang="de-DE" dirty="0" smtClean="0"/>
+              <a:t>Items und Reviews, u.a. thematisch und Anforderungsstufen</a:t>
+            </a:r>
+            <a:endParaRPr lang="de-DE" dirty="0"/>
+          </a:p>
+          <a:p>
+            <a:r>
+              <a:rPr lang="de-DE" dirty="0" smtClean="0"/>
+              <a:t>Qualitätssicherung durch </a:t>
+            </a:r>
+            <a:r>
+              <a:rPr lang="de-DE" dirty="0" err="1" smtClean="0"/>
+              <a:t>Reviewing</a:t>
+            </a:r>
+            <a:r>
+              <a:rPr lang="de-DE" dirty="0" smtClean="0"/>
+              <a:t> von </a:t>
+            </a:r>
+            <a:r>
+              <a:rPr lang="de-DE" dirty="0"/>
+              <a:t>Items</a:t>
+            </a:r>
+          </a:p>
+          <a:p>
+            <a:r>
+              <a:rPr lang="de-DE" dirty="0" smtClean="0"/>
+              <a:t>Effiziente Item-Exploration und </a:t>
+            </a:r>
+            <a:r>
+              <a:rPr lang="de-DE" dirty="0" err="1" smtClean="0"/>
+              <a:t>Blueprint</a:t>
+            </a:r>
+            <a:r>
+              <a:rPr lang="de-DE" dirty="0" smtClean="0"/>
+              <a:t>-basierte</a:t>
+            </a:r>
+            <a:br>
+              <a:rPr lang="de-DE" dirty="0" smtClean="0"/>
+            </a:br>
+            <a:r>
+              <a:rPr lang="de-DE" dirty="0" smtClean="0"/>
+              <a:t>Klausurerstellung</a:t>
+            </a:r>
+            <a:endParaRPr lang="de-DE" dirty="0"/>
+          </a:p>
+          <a:p>
+            <a:endParaRPr lang="de-DE" dirty="0" smtClean="0"/>
+          </a:p>
+          <a:p>
+            <a:endParaRPr lang="de-DE" dirty="0"/>
+          </a:p>
+        </p:txBody>
+      </p:sp>
+      <p:sp>
+        <p:nvSpPr>
+          <p:cNvPr id="4" name="Rechtwinkliges Dreieck 3"/>
+          <p:cNvSpPr/>
+          <p:nvPr/>
+        </p:nvSpPr>
         <p:spPr>
-          <a:xfrm>
-            <a:off x="0" y="4406900"/>
-            <a:ext cx="9144000" cy="2214187"/>
-          </a:xfrm>
-        </p:spPr>
-        <p:txBody>
-          <a:bodyPr/>
-          <a:lstStyle/>
-          <a:p>
-            <a:r>
-              <a:rPr lang="de-DE" u="sng" dirty="0" smtClean="0"/>
-              <a:t>Andreas Thor</a:t>
-            </a:r>
-            <a:r>
-              <a:rPr lang="de-DE" baseline="30000" dirty="0" smtClean="0"/>
-              <a:t>1</a:t>
-            </a:r>
-            <a:r>
-              <a:rPr lang="de-DE" dirty="0" smtClean="0"/>
-              <a:t>, </a:t>
-            </a:r>
-            <a:r>
-              <a:rPr lang="de-DE" dirty="0"/>
-              <a:t>Norbert Pengel</a:t>
-            </a:r>
-            <a:r>
-              <a:rPr lang="de-DE" baseline="30000" dirty="0"/>
-              <a:t>2</a:t>
-            </a:r>
-            <a:r>
-              <a:rPr lang="de-DE" dirty="0" smtClean="0"/>
-              <a:t>, Heinz-Werner Wollersheim</a:t>
-            </a:r>
-            <a:r>
-              <a:rPr lang="de-DE" baseline="30000" dirty="0" smtClean="0"/>
-              <a:t>2</a:t>
-            </a:r>
-            <a:r>
-              <a:rPr lang="de-DE" dirty="0" smtClean="0"/>
-              <a:t> </a:t>
-            </a:r>
-            <a:endParaRPr lang="de-DE" baseline="30000" dirty="0" smtClean="0"/>
-          </a:p>
-          <a:p>
-            <a:endParaRPr lang="de-DE" dirty="0" smtClean="0"/>
-          </a:p>
-          <a:p>
-            <a:endParaRPr lang="de-DE" dirty="0" smtClean="0"/>
-          </a:p>
-          <a:p>
+          <a:xfrm rot="16200000">
+            <a:off x="6264000" y="3978000"/>
+            <a:ext cx="2880000" cy="2880000"/>
+          </a:xfrm>
+          <a:prstGeom prst="rtTriangle">
+            <a:avLst/>
+          </a:prstGeom>
+        </p:spPr>
+        <p:style>
+          <a:lnRef idx="2">
+            <a:schemeClr val="accent1">
+              <a:shade val="50000"/>
+            </a:schemeClr>
+          </a:lnRef>
+          <a:fillRef idx="1">
+            <a:schemeClr val="accent1"/>
+          </a:fillRef>
+          <a:effectRef idx="0">
+            <a:schemeClr val="accent1"/>
+          </a:effectRef>
+          <a:fontRef idx="minor">
+            <a:schemeClr val="lt1"/>
+          </a:fontRef>
+        </p:style>
+        <p:txBody>
+          <a:bodyPr rtlCol="0" anchor="ctr"/>
+          <a:lstStyle/>
+          <a:p>
+            <a:pPr algn="ctr"/>
             <a:endParaRPr lang="de-DE" dirty="0"/>
+          </a:p>
+        </p:txBody>
+      </p:sp>
+      <p:sp>
+        <p:nvSpPr>
+          <p:cNvPr id="5" name="Textfeld 4"/>
+          <p:cNvSpPr txBox="1"/>
+          <p:nvPr/>
+        </p:nvSpPr>
+        <p:spPr>
+          <a:xfrm rot="-2700000">
+            <a:off x="6928760" y="5469116"/>
+            <a:ext cx="2364750" cy="584775"/>
+          </a:xfrm>
+          <a:prstGeom prst="rect">
+            <a:avLst/>
+          </a:prstGeom>
+          <a:noFill/>
+        </p:spPr>
+        <p:txBody>
+          <a:bodyPr wrap="none" rtlCol="0">
+            <a:spAutoFit/>
+          </a:bodyPr>
+          <a:lstStyle/>
+          <a:p>
+            <a:r>
+              <a:rPr lang="de-DE" sz="3200" b="1" dirty="0" smtClean="0">
+                <a:solidFill>
+                  <a:schemeClr val="bg1"/>
+                </a:solidFill>
+              </a:rPr>
+              <a:t>Vielen Dank!</a:t>
+            </a:r>
+            <a:endParaRPr lang="de-DE" sz="3200" b="1" dirty="0">
+              <a:solidFill>
+                <a:schemeClr val="bg1"/>
+              </a:solidFill>
+            </a:endParaRPr>
           </a:p>
         </p:txBody>
       </p:sp>
       <p:pic>
         <p:nvPicPr>
-          <p:cNvPr id="4" name="Grafik 3"/>
+          <p:cNvPr id="6" name="Grafik 5"/>
           <p:cNvPicPr>
             <a:picLocks noChangeAspect="1"/>
           </p:cNvPicPr>
@@ -5138,7 +5238,7 @@
         </p:blipFill>
         <p:spPr>
           <a:xfrm>
-            <a:off x="6690235" y="98520"/>
+            <a:off x="4215911" y="367459"/>
             <a:ext cx="2304135" cy="558185"/>
           </a:xfrm>
           <a:prstGeom prst="rect">
@@ -5146,343 +5246,24 @@
           </a:prstGeom>
         </p:spPr>
       </p:pic>
-      <p:pic>
-        <p:nvPicPr>
-          <p:cNvPr id="5" name="Picture 43" descr="unilogo"/>
-          <p:cNvPicPr>
-            <a:picLocks noChangeAspect="1" noChangeArrowheads="1"/>
-          </p:cNvPicPr>
-          <p:nvPr/>
-        </p:nvPicPr>
-        <p:blipFill>
-          <a:blip r:embed="rId3">
-            <a:lum bright="18000"/>
-            <a:extLst>
-              <a:ext uri="{28A0092B-C50C-407E-A947-70E740481C1C}">
-                <a14:useLocalDpi xmlns:a14="http://schemas.microsoft.com/office/drawing/2010/main" val="0"/>
-              </a:ext>
-            </a:extLst>
-          </a:blip>
-          <a:srcRect/>
-          <a:stretch>
-            <a:fillRect/>
-          </a:stretch>
-        </p:blipFill>
-        <p:spPr bwMode="auto">
-          <a:xfrm>
-            <a:off x="5803835" y="6221417"/>
-            <a:ext cx="3192087" cy="442042"/>
-          </a:xfrm>
-          <a:prstGeom prst="rect">
-            <a:avLst/>
-          </a:prstGeom>
-          <a:noFill/>
-          <a:ln>
-            <a:noFill/>
-          </a:ln>
-          <a:extLst>
-            <a:ext uri="{909E8E84-426E-40dd-AFC4-6F175D3DCCD1}">
-              <a14:hiddenFill xmlns:a14="http://schemas.microsoft.com/office/drawing/2010/main" xmlns="">
-                <a:solidFill>
-                  <a:srgbClr val="FFFFFF"/>
-                </a:solidFill>
-              </a14:hiddenFill>
-            </a:ext>
-            <a:ext uri="{91240B29-F687-4f45-9708-019B960494DF}">
-              <a14:hiddenLine xmlns:a14="http://schemas.microsoft.com/office/drawing/2010/main" xmlns="" w="9525">
-                <a:solidFill>
-                  <a:srgbClr val="000000"/>
-                </a:solidFill>
-                <a:miter lim="800000"/>
-                <a:headEnd/>
-                <a:tailEnd/>
-              </a14:hiddenLine>
-            </a:ext>
-          </a:extLst>
-        </p:spPr>
-      </p:pic>
-      <p:pic>
-        <p:nvPicPr>
-          <p:cNvPr id="6" name="Grafik 5"/>
-          <p:cNvPicPr>
-            <a:picLocks noChangeAspect="1"/>
-          </p:cNvPicPr>
-          <p:nvPr/>
-        </p:nvPicPr>
-        <p:blipFill>
-          <a:blip r:embed="rId4">
-            <a:extLst>
-              <a:ext uri="{28A0092B-C50C-407E-A947-70E740481C1C}">
-                <a14:useLocalDpi xmlns:a14="http://schemas.microsoft.com/office/drawing/2010/main" val="0"/>
-              </a:ext>
-            </a:extLst>
-          </a:blip>
-          <a:stretch>
-            <a:fillRect/>
-          </a:stretch>
-        </p:blipFill>
-        <p:spPr>
-          <a:xfrm>
-            <a:off x="5702235" y="5115910"/>
-            <a:ext cx="2288271" cy="1063135"/>
-          </a:xfrm>
-          <a:prstGeom prst="rect">
-            <a:avLst/>
-          </a:prstGeom>
-        </p:spPr>
-      </p:pic>
-      <p:sp>
-        <p:nvSpPr>
-          <p:cNvPr id="7" name="Rechteck 6"/>
-          <p:cNvSpPr/>
-          <p:nvPr/>
-        </p:nvSpPr>
-        <p:spPr>
-          <a:xfrm>
-            <a:off x="670435" y="5186749"/>
-            <a:ext cx="4572000" cy="646331"/>
-          </a:xfrm>
-          <a:prstGeom prst="rect">
-            <a:avLst/>
-          </a:prstGeom>
-        </p:spPr>
-        <p:txBody>
-          <a:bodyPr>
-            <a:spAutoFit/>
-          </a:bodyPr>
-          <a:lstStyle/>
-          <a:p>
-            <a:r>
-              <a:rPr lang="de-DE" baseline="30000" dirty="0" smtClean="0"/>
-              <a:t>1 </a:t>
-            </a:r>
-            <a:r>
-              <a:rPr lang="de-DE" dirty="0" smtClean="0"/>
-              <a:t>Hochschule </a:t>
-            </a:r>
-            <a:r>
-              <a:rPr lang="de-DE" dirty="0"/>
-              <a:t>für Telekommunikation Leipzig</a:t>
-            </a:r>
-            <a:br>
-              <a:rPr lang="de-DE" dirty="0"/>
-            </a:br>
-            <a:r>
-              <a:rPr lang="de-DE" baseline="30000" dirty="0"/>
-              <a:t>2</a:t>
-            </a:r>
-            <a:r>
-              <a:rPr lang="de-DE" baseline="30000" dirty="0" smtClean="0"/>
-              <a:t> </a:t>
-            </a:r>
-            <a:r>
-              <a:rPr lang="de-DE" dirty="0" smtClean="0"/>
-              <a:t>Universität </a:t>
-            </a:r>
-            <a:r>
-              <a:rPr lang="de-DE" dirty="0"/>
-              <a:t>Leipzig</a:t>
-            </a:r>
-          </a:p>
-        </p:txBody>
-      </p:sp>
     </p:spTree>
     <p:extLst>
       <p:ext uri="{BB962C8B-B14F-4D97-AF65-F5344CB8AC3E}">
-        <p14:creationId xmlns:p14="http://schemas.microsoft.com/office/powerpoint/2010/main" val="2217143614"/>
+        <p14:creationId xmlns:p14="http://schemas.microsoft.com/office/powerpoint/2010/main" val="4093248823"/>
       </p:ext>
     </p:extLst>
   </p:cSld>
   <p:clrMapOvr>
     <a:masterClrMapping/>
   </p:clrMapOvr>
-  <p:timing>
-    <p:tnLst>
-      <p:par>
-        <p:cTn id="1" dur="indefinite" restart="never" nodeType="tmRoot"/>
-      </p:par>
-    </p:tnLst>
-  </p:timing>
-</p:sld>
-</file>
-
-<file path=ppt/slides/slide15.xml><?xml version="1.0" encoding="utf-8"?>
-<p:sld xmlns:a="http://schemas.openxmlformats.org/drawingml/2006/main" xmlns:r="http://schemas.openxmlformats.org/officeDocument/2006/relationships" xmlns:p="http://schemas.openxmlformats.org/presentationml/2006/main">
-  <p:cSld>
-    <p:spTree>
-      <p:nvGrpSpPr>
-        <p:cNvPr id="1" name=""/>
-        <p:cNvGrpSpPr/>
-        <p:nvPr/>
-      </p:nvGrpSpPr>
-      <p:grpSpPr>
-        <a:xfrm>
-          <a:off x="0" y="0"/>
-          <a:ext cx="0" cy="0"/>
-          <a:chOff x="0" y="0"/>
-          <a:chExt cx="0" cy="0"/>
-        </a:xfrm>
-      </p:grpSpPr>
-      <p:sp>
-        <p:nvSpPr>
-          <p:cNvPr id="2" name="Titel 1"/>
-          <p:cNvSpPr>
-            <a:spLocks noGrp="1"/>
-          </p:cNvSpPr>
-          <p:nvPr>
-            <p:ph type="title"/>
-          </p:nvPr>
-        </p:nvSpPr>
-        <p:spPr>
-          <a:xfrm>
-            <a:off x="628650" y="365127"/>
-            <a:ext cx="8515350" cy="596166"/>
-          </a:xfrm>
-        </p:spPr>
-        <p:txBody>
-          <a:bodyPr>
-            <a:normAutofit fontScale="90000"/>
-          </a:bodyPr>
-          <a:lstStyle/>
-          <a:p>
-            <a:r>
-              <a:rPr lang="de-DE" dirty="0" smtClean="0"/>
-              <a:t>Zukünftige Arbeiten (1): Ontologie-basierte Annotation</a:t>
-            </a:r>
-            <a:endParaRPr lang="de-DE" dirty="0"/>
-          </a:p>
-        </p:txBody>
-      </p:sp>
-      <p:sp>
-        <p:nvSpPr>
-          <p:cNvPr id="3" name="Inhaltsplatzhalter 2"/>
-          <p:cNvSpPr>
-            <a:spLocks noGrp="1"/>
-          </p:cNvSpPr>
-          <p:nvPr>
-            <p:ph idx="1"/>
-          </p:nvPr>
-        </p:nvSpPr>
-        <p:spPr/>
-        <p:txBody>
-          <a:bodyPr>
-            <a:noAutofit/>
-          </a:bodyPr>
-          <a:lstStyle/>
-          <a:p>
-            <a:r>
-              <a:rPr lang="de-DE" dirty="0" smtClean="0"/>
-              <a:t>Aktuell: Annotation von Items und Learning Outcomes in vordefinierten Klassen (z.B. Anforderungsstufen)</a:t>
-            </a:r>
-            <a:endParaRPr lang="de-DE" dirty="0"/>
-          </a:p>
-          <a:p>
-            <a:r>
-              <a:rPr lang="de-DE" dirty="0" smtClean="0"/>
-              <a:t>Ziel: Verknüpfung von Items, Learning Outcomes und Taxonomien mittels </a:t>
-            </a:r>
-            <a:r>
-              <a:rPr lang="de-DE" dirty="0" err="1" smtClean="0"/>
-              <a:t>Ontologien</a:t>
-            </a:r>
-            <a:endParaRPr lang="de-DE" dirty="0" smtClean="0"/>
-          </a:p>
-          <a:p>
-            <a:endParaRPr lang="de-DE" dirty="0" smtClean="0"/>
-          </a:p>
-          <a:p>
-            <a:r>
-              <a:rPr lang="de-DE" dirty="0" smtClean="0"/>
-              <a:t>Beispiel 1:  Beziehungen zwischen Items („Ähnlichkeit“ , „baut aufeinander auf“, „neue Version von“) </a:t>
-            </a:r>
-            <a:br>
-              <a:rPr lang="de-DE" dirty="0" smtClean="0"/>
-            </a:br>
-            <a:r>
-              <a:rPr lang="de-DE" dirty="0" smtClean="0">
-                <a:sym typeface="Wingdings" panose="05000000000000000000" pitchFamily="2" charset="2"/>
-              </a:rPr>
-              <a:t> Kompetenz-äquivalente Prüfungen</a:t>
-            </a:r>
-            <a:br>
-              <a:rPr lang="de-DE" dirty="0" smtClean="0">
-                <a:sym typeface="Wingdings" panose="05000000000000000000" pitchFamily="2" charset="2"/>
-              </a:rPr>
-            </a:br>
-            <a:r>
-              <a:rPr lang="de-DE" dirty="0" smtClean="0">
-                <a:sym typeface="Wingdings" panose="05000000000000000000" pitchFamily="2" charset="2"/>
-              </a:rPr>
-              <a:t> Adaptive Prüfungen</a:t>
-            </a:r>
-            <a:br>
-              <a:rPr lang="de-DE" dirty="0" smtClean="0">
-                <a:sym typeface="Wingdings" panose="05000000000000000000" pitchFamily="2" charset="2"/>
-              </a:rPr>
-            </a:br>
-            <a:endParaRPr lang="de-DE" dirty="0" smtClean="0">
-              <a:sym typeface="Wingdings" panose="05000000000000000000" pitchFamily="2" charset="2"/>
-            </a:endParaRPr>
-          </a:p>
-          <a:p>
-            <a:r>
-              <a:rPr lang="de-DE" dirty="0" smtClean="0"/>
-              <a:t>Beispiel 2: </a:t>
-            </a:r>
-            <a:r>
-              <a:rPr lang="de-DE" dirty="0" err="1" smtClean="0"/>
-              <a:t>Alignment</a:t>
-            </a:r>
-            <a:r>
-              <a:rPr lang="de-DE" dirty="0" smtClean="0"/>
-              <a:t> von Fach-Taxonomien</a:t>
-            </a:r>
-            <a:br>
-              <a:rPr lang="de-DE" dirty="0" smtClean="0"/>
-            </a:br>
-            <a:r>
-              <a:rPr lang="de-DE" dirty="0" smtClean="0">
-                <a:sym typeface="Wingdings" panose="05000000000000000000" pitchFamily="2" charset="2"/>
-              </a:rPr>
-              <a:t> </a:t>
-            </a:r>
-            <a:r>
-              <a:rPr lang="de-DE" dirty="0" err="1" smtClean="0">
-                <a:sym typeface="Wingdings" panose="05000000000000000000" pitchFamily="2" charset="2"/>
-              </a:rPr>
-              <a:t>Kollaborative</a:t>
-            </a:r>
-            <a:r>
-              <a:rPr lang="de-DE" dirty="0" smtClean="0">
-                <a:sym typeface="Wingdings" panose="05000000000000000000" pitchFamily="2" charset="2"/>
-              </a:rPr>
-              <a:t> Nutzung von Items trotz unterschiedlicher thematischer Kategorisierung</a:t>
-            </a:r>
-            <a:br>
-              <a:rPr lang="de-DE" dirty="0" smtClean="0">
-                <a:sym typeface="Wingdings" panose="05000000000000000000" pitchFamily="2" charset="2"/>
-              </a:rPr>
-            </a:br>
-            <a:r>
-              <a:rPr lang="de-DE" dirty="0" smtClean="0">
-                <a:sym typeface="Wingdings" panose="05000000000000000000" pitchFamily="2" charset="2"/>
-              </a:rPr>
-              <a:t> Automatische Erstellung / Ergänzung von Taxonomien</a:t>
-            </a:r>
-            <a:endParaRPr lang="de-DE" dirty="0"/>
-          </a:p>
-        </p:txBody>
-      </p:sp>
-    </p:spTree>
-    <p:extLst>
-      <p:ext uri="{BB962C8B-B14F-4D97-AF65-F5344CB8AC3E}">
-        <p14:creationId xmlns:p14="http://schemas.microsoft.com/office/powerpoint/2010/main" val="1292419266"/>
-      </p:ext>
-    </p:extLst>
-  </p:cSld>
-  <p:clrMapOvr>
-    <a:masterClrMapping/>
-  </p:clrMapOvr>
+  <mc:AlternateContent xmlns:mc="http://schemas.openxmlformats.org/markup-compatibility/2006">
+    <mc:Choice xmlns:p14="http://schemas.microsoft.com/office/powerpoint/2010/main" Requires="p14">
+      <p:transition spd="slow" p14:dur="2000"/>
+    </mc:Choice>
+    <mc:Fallback>
+      <p:transition spd="slow"/>
+    </mc:Fallback>
+  </mc:AlternateContent>
   <p:timing>
     <p:tnLst>
       <p:par>
@@ -5504,7 +5285,7 @@
                             </p:stCondLst>
                             <p:childTnLst>
                               <p:par>
-                                <p:cTn id="5" presetID="1" presetClass="entr" presetSubtype="0" fill="hold" nodeType="clickEffect">
+                                <p:cTn id="5" presetID="1" presetClass="entr" presetSubtype="0" fill="hold" grpId="0" nodeType="clickEffect">
                                   <p:stCondLst>
                                     <p:cond delay="0"/>
                                   </p:stCondLst>
@@ -5517,11 +5298,7 @@
                                           </p:stCondLst>
                                         </p:cTn>
                                         <p:tgtEl>
-                                          <p:spTgt spid="3">
-                                            <p:txEl>
-                                              <p:pRg st="3" end="3"/>
-                                            </p:txEl>
-                                          </p:spTgt>
+                                          <p:spTgt spid="4"/>
                                         </p:tgtEl>
                                         <p:attrNameLst>
                                           <p:attrName>style.visibility</p:attrName>
@@ -5534,43 +5311,21 @@
                                   </p:childTnLst>
                                 </p:cTn>
                               </p:par>
-                            </p:childTnLst>
-                          </p:cTn>
-                        </p:par>
-                      </p:childTnLst>
-                    </p:cTn>
-                  </p:par>
-                  <p:par>
-                    <p:cTn id="7" fill="hold">
-                      <p:stCondLst>
-                        <p:cond delay="indefinite"/>
-                      </p:stCondLst>
-                      <p:childTnLst>
-                        <p:par>
-                          <p:cTn id="8" fill="hold">
-                            <p:stCondLst>
-                              <p:cond delay="0"/>
-                            </p:stCondLst>
-                            <p:childTnLst>
                               <p:par>
-                                <p:cTn id="9" presetID="1" presetClass="entr" presetSubtype="0" fill="hold" nodeType="clickEffect">
+                                <p:cTn id="7" presetID="1" presetClass="entr" presetSubtype="0" fill="hold" grpId="0" nodeType="withEffect">
                                   <p:stCondLst>
                                     <p:cond delay="0"/>
                                   </p:stCondLst>
                                   <p:childTnLst>
                                     <p:set>
                                       <p:cBhvr>
-                                        <p:cTn id="10" dur="1" fill="hold">
+                                        <p:cTn id="8" dur="1" fill="hold">
                                           <p:stCondLst>
                                             <p:cond delay="0"/>
                                           </p:stCondLst>
                                         </p:cTn>
                                         <p:tgtEl>
-                                          <p:spTgt spid="3">
-                                            <p:txEl>
-                                              <p:pRg st="4" end="4"/>
-                                            </p:txEl>
-                                          </p:spTgt>
+                                          <p:spTgt spid="5"/>
                                         </p:tgtEl>
                                         <p:attrNameLst>
                                           <p:attrName>style.visibility</p:attrName>
@@ -5610,302 +5365,10 @@
         </p:cTn>
       </p:par>
     </p:tnLst>
-  </p:timing>
-</p:sld>
-</file>
-
-<file path=ppt/slides/slide16.xml><?xml version="1.0" encoding="utf-8"?>
-<p:sld xmlns:a="http://schemas.openxmlformats.org/drawingml/2006/main" xmlns:r="http://schemas.openxmlformats.org/officeDocument/2006/relationships" xmlns:p="http://schemas.openxmlformats.org/presentationml/2006/main">
-  <p:cSld>
-    <p:spTree>
-      <p:nvGrpSpPr>
-        <p:cNvPr id="1" name=""/>
-        <p:cNvGrpSpPr/>
-        <p:nvPr/>
-      </p:nvGrpSpPr>
-      <p:grpSpPr>
-        <a:xfrm>
-          <a:off x="0" y="0"/>
-          <a:ext cx="0" cy="0"/>
-          <a:chOff x="0" y="0"/>
-          <a:chExt cx="0" cy="0"/>
-        </a:xfrm>
-      </p:grpSpPr>
-      <p:sp>
-        <p:nvSpPr>
-          <p:cNvPr id="2" name="Titel 1"/>
-          <p:cNvSpPr>
-            <a:spLocks noGrp="1"/>
-          </p:cNvSpPr>
-          <p:nvPr>
-            <p:ph type="title"/>
-          </p:nvPr>
-        </p:nvSpPr>
-        <p:spPr>
-          <a:xfrm>
-            <a:off x="628650" y="365127"/>
-            <a:ext cx="8515350" cy="596166"/>
-          </a:xfrm>
-        </p:spPr>
-        <p:txBody>
-          <a:bodyPr>
-            <a:normAutofit/>
-          </a:bodyPr>
-          <a:lstStyle/>
-          <a:p>
-            <a:r>
-              <a:rPr lang="de-DE" dirty="0" smtClean="0"/>
-              <a:t>Zukünftige Arbeiten (2): Datenanalyse</a:t>
-            </a:r>
-            <a:endParaRPr lang="de-DE" dirty="0"/>
-          </a:p>
-        </p:txBody>
-      </p:sp>
-      <p:sp>
-        <p:nvSpPr>
-          <p:cNvPr id="3" name="Inhaltsplatzhalter 2"/>
-          <p:cNvSpPr>
-            <a:spLocks noGrp="1"/>
-          </p:cNvSpPr>
-          <p:nvPr>
-            <p:ph idx="1"/>
-          </p:nvPr>
-        </p:nvSpPr>
-        <p:spPr/>
-        <p:txBody>
-          <a:bodyPr/>
-          <a:lstStyle/>
-          <a:p>
-            <a:r>
-              <a:rPr lang="de-DE" dirty="0" smtClean="0"/>
-              <a:t>Aktuell: Keine Verwendung von Testergebnissen zu Items</a:t>
-            </a:r>
-          </a:p>
-          <a:p>
-            <a:r>
-              <a:rPr lang="de-DE" dirty="0" smtClean="0"/>
-              <a:t>Ziel: Ontologie-basierte Datenanalyse</a:t>
-            </a:r>
-          </a:p>
-          <a:p>
-            <a:endParaRPr lang="de-DE" dirty="0"/>
-          </a:p>
-          <a:p>
-            <a:r>
-              <a:rPr lang="de-DE" dirty="0"/>
-              <a:t>Beispiel 1: </a:t>
-            </a:r>
-            <a:r>
-              <a:rPr lang="de-DE" dirty="0" smtClean="0"/>
-              <a:t>Item- und Testanalyse, d.h. automatische Item-</a:t>
-            </a:r>
-            <a:r>
-              <a:rPr lang="de-DE" dirty="0" smtClean="0">
-                <a:sym typeface="Wingdings" panose="05000000000000000000" pitchFamily="2" charset="2"/>
-              </a:rPr>
-              <a:t>Annotation mit Schwierigkeitsgrad, Trennschärfe etc. </a:t>
-            </a:r>
-            <a:br>
-              <a:rPr lang="de-DE" dirty="0" smtClean="0">
-                <a:sym typeface="Wingdings" panose="05000000000000000000" pitchFamily="2" charset="2"/>
-              </a:rPr>
-            </a:br>
-            <a:r>
-              <a:rPr lang="de-DE" dirty="0" smtClean="0">
-                <a:sym typeface="Wingdings" panose="05000000000000000000" pitchFamily="2" charset="2"/>
-              </a:rPr>
-              <a:t> Kriterium für Klausurerstellung</a:t>
-            </a:r>
-            <a:br>
-              <a:rPr lang="de-DE" dirty="0" smtClean="0">
-                <a:sym typeface="Wingdings" panose="05000000000000000000" pitchFamily="2" charset="2"/>
-              </a:rPr>
-            </a:br>
-            <a:r>
-              <a:rPr lang="de-DE" dirty="0" smtClean="0">
-                <a:sym typeface="Wingdings" panose="05000000000000000000" pitchFamily="2" charset="2"/>
-              </a:rPr>
-              <a:t> Überprüfung von Anforderungsstufen</a:t>
-            </a:r>
-            <a:br>
-              <a:rPr lang="de-DE" dirty="0" smtClean="0">
-                <a:sym typeface="Wingdings" panose="05000000000000000000" pitchFamily="2" charset="2"/>
-              </a:rPr>
-            </a:br>
-            <a:endParaRPr lang="de-DE" dirty="0" smtClean="0">
-              <a:sym typeface="Wingdings" panose="05000000000000000000" pitchFamily="2" charset="2"/>
-            </a:endParaRPr>
-          </a:p>
-          <a:p>
-            <a:r>
-              <a:rPr lang="de-DE" dirty="0" smtClean="0">
-                <a:sym typeface="Wingdings" panose="05000000000000000000" pitchFamily="2" charset="2"/>
-              </a:rPr>
-              <a:t>Beispiel 2: Mustererkennung </a:t>
-            </a:r>
-            <a:br>
-              <a:rPr lang="de-DE" dirty="0" smtClean="0">
-                <a:sym typeface="Wingdings" panose="05000000000000000000" pitchFamily="2" charset="2"/>
-              </a:rPr>
-            </a:br>
-            <a:r>
-              <a:rPr lang="de-DE" dirty="0" smtClean="0">
-                <a:sym typeface="Wingdings" panose="05000000000000000000" pitchFamily="2" charset="2"/>
-              </a:rPr>
-              <a:t> Identifikation von Ausreißern (z.B. missverständlich formulierten Items)</a:t>
-            </a:r>
-            <a:br>
-              <a:rPr lang="de-DE" dirty="0" smtClean="0">
-                <a:sym typeface="Wingdings" panose="05000000000000000000" pitchFamily="2" charset="2"/>
-              </a:rPr>
-            </a:br>
-            <a:r>
-              <a:rPr lang="de-DE" dirty="0" smtClean="0">
-                <a:sym typeface="Wingdings" panose="05000000000000000000" pitchFamily="2" charset="2"/>
-              </a:rPr>
-              <a:t> Learning Analytics (z.B. Bildung von Nutzerprofilen)</a:t>
-            </a:r>
-            <a:endParaRPr lang="de-DE" dirty="0"/>
-          </a:p>
-        </p:txBody>
-      </p:sp>
-    </p:spTree>
-    <p:extLst>
-      <p:ext uri="{BB962C8B-B14F-4D97-AF65-F5344CB8AC3E}">
-        <p14:creationId xmlns:p14="http://schemas.microsoft.com/office/powerpoint/2010/main" val="948208967"/>
-      </p:ext>
-    </p:extLst>
-  </p:cSld>
-  <p:clrMapOvr>
-    <a:masterClrMapping/>
-  </p:clrMapOvr>
-  <p:timing>
-    <p:tnLst>
-      <p:par>
-        <p:cTn id="1" dur="indefinite" restart="never" nodeType="tmRoot">
-          <p:childTnLst>
-            <p:seq concurrent="1" nextAc="seek">
-              <p:cTn id="2" dur="indefinite" nodeType="mainSeq">
-                <p:childTnLst>
-                  <p:par>
-                    <p:cTn id="3" fill="hold">
-                      <p:stCondLst>
-                        <p:cond delay="indefinite"/>
-                      </p:stCondLst>
-                      <p:childTnLst>
-                        <p:par>
-                          <p:cTn id="4" fill="hold">
-                            <p:stCondLst>
-                              <p:cond delay="0"/>
-                            </p:stCondLst>
-                            <p:childTnLst>
-                              <p:par>
-                                <p:cTn id="5" presetID="1" presetClass="entr" presetSubtype="0" fill="hold" nodeType="clickEffect">
-                                  <p:stCondLst>
-                                    <p:cond delay="0"/>
-                                  </p:stCondLst>
-                                  <p:childTnLst>
-                                    <p:set>
-                                      <p:cBhvr>
-                                        <p:cTn id="6" dur="1" fill="hold">
-                                          <p:stCondLst>
-                                            <p:cond delay="0"/>
-                                          </p:stCondLst>
-                                        </p:cTn>
-                                        <p:tgtEl>
-                                          <p:spTgt spid="3">
-                                            <p:txEl>
-                                              <p:pRg st="3" end="3"/>
-                                            </p:txEl>
-                                          </p:spTgt>
-                                        </p:tgtEl>
-                                        <p:attrNameLst>
-                                          <p:attrName>style.visibility</p:attrName>
-                                        </p:attrNameLst>
-                                      </p:cBhvr>
-                                      <p:to>
-                                        <p:strVal val="visible"/>
-                                      </p:to>
-                                    </p:set>
-                                  </p:childTnLst>
-                                </p:cTn>
-                              </p:par>
-                            </p:childTnLst>
-                          </p:cTn>
-                        </p:par>
-                      </p:childTnLst>
-                    </p:cTn>
-                  </p:par>
-                  <p:par>
-                    <p:cTn id="7" fill="hold">
-                      <p:stCondLst>
-                        <p:cond delay="indefinite"/>
-                      </p:stCondLst>
-                      <p:childTnLst>
-                        <p:par>
-                          <p:cTn id="8" fill="hold">
-                            <p:stCondLst>
-                              <p:cond delay="0"/>
-                            </p:stCondLst>
-                            <p:childTnLst>
-                              <p:par>
-                                <p:cTn id="9" presetID="1" presetClass="entr" presetSubtype="0" fill="hold" nodeType="clickEffect">
-                                  <p:stCondLst>
-                                    <p:cond delay="0"/>
-                                  </p:stCondLst>
-                                  <p:childTnLst>
-                                    <p:set>
-                                      <p:cBhvr>
-                                        <p:cTn id="10" dur="1" fill="hold">
-                                          <p:stCondLst>
-                                            <p:cond delay="0"/>
-                                          </p:stCondLst>
-                                        </p:cTn>
-                                        <p:tgtEl>
-                                          <p:spTgt spid="3">
-                                            <p:txEl>
-                                              <p:pRg st="4" end="4"/>
-                                            </p:txEl>
-                                          </p:spTgt>
-                                        </p:tgtEl>
-                                        <p:attrNameLst>
-                                          <p:attrName>style.visibility</p:attrName>
-                                        </p:attrNameLst>
-                                      </p:cBhvr>
-                                      <p:to>
-                                        <p:strVal val="visible"/>
-                                      </p:to>
-                                    </p:set>
-                                  </p:childTnLst>
-                                </p:cTn>
-                              </p:par>
-                            </p:childTnLst>
-                          </p:cTn>
-                        </p:par>
-                      </p:childTnLst>
-                    </p:cTn>
-                  </p:par>
-                </p:childTnLst>
-              </p:cTn>
-              <p:prevCondLst>
-                <p:cond evt="onPrev" delay="0">
-                  <p:tgtEl>
-                    <p:sldTgt/>
-                  </p:tgtEl>
-                </p:cond>
-              </p:prevCondLst>
-              <p:nextCondLst>
-                <p:cond evt="onNext" delay="0">
-                  <p:tgtEl>
-                    <p:sldTgt/>
-                  </p:tgtEl>
-                </p:cond>
-              </p:nextCondLst>
-            </p:seq>
-          </p:childTnLst>
-        </p:cTn>
-      </p:par>
-    </p:tnLst>
+    <p:bldLst>
+      <p:bldP spid="4" grpId="0" animBg="1"/>
+      <p:bldP spid="5" grpId="0"/>
+    </p:bldLst>
   </p:timing>
 </p:sld>
 </file>
@@ -6015,7 +5478,19 @@
               <a:rPr lang="de-DE" dirty="0" smtClean="0">
                 <a:sym typeface="Wingdings" panose="05000000000000000000" pitchFamily="2" charset="2"/>
               </a:rPr>
-              <a:t>Notwendigkeit mehrerer, äquivalente E-Prüfungen für große Kohorten</a:t>
+              <a:t>Notwendigkeit mehrerer, </a:t>
+            </a:r>
+            <a:r>
+              <a:rPr lang="de-DE" dirty="0" smtClean="0">
+                <a:sym typeface="Wingdings" panose="05000000000000000000" pitchFamily="2" charset="2"/>
+              </a:rPr>
+              <a:t>kompetenz-äquivalenter </a:t>
+            </a:r>
+            <a:r>
+              <a:rPr lang="de-DE" dirty="0" smtClean="0">
+                <a:sym typeface="Wingdings" panose="05000000000000000000" pitchFamily="2" charset="2"/>
+              </a:rPr>
+              <a:t>E-Prüfungen für große Kohorten</a:t>
             </a:r>
             <a:endParaRPr lang="de-DE" dirty="0"/>
           </a:p>
@@ -6117,6 +5592,14 @@
   <p:clrMapOvr>
     <a:masterClrMapping/>
   </p:clrMapOvr>
+  <mc:AlternateContent xmlns:mc="http://schemas.openxmlformats.org/markup-compatibility/2006">
+    <mc:Choice xmlns:p14="http://schemas.microsoft.com/office/powerpoint/2010/main" Requires="p14">
+      <p:transition spd="slow" p14:dur="2000"/>
+    </mc:Choice>
+    <mc:Fallback>
+      <p:transition spd="slow"/>
+    </mc:Fallback>
+  </mc:AlternateContent>
   <p:timing>
     <p:tnLst>
       <p:par>
@@ -6498,6 +5981,14 @@
   <p:clrMapOvr>
     <a:masterClrMapping/>
   </p:clrMapOvr>
+  <mc:AlternateContent xmlns:mc="http://schemas.openxmlformats.org/markup-compatibility/2006">
+    <mc:Choice xmlns:p14="http://schemas.microsoft.com/office/powerpoint/2010/main" Requires="p14">
+      <p:transition spd="slow" p14:dur="2000"/>
+    </mc:Choice>
+    <mc:Fallback>
+      <p:transition spd="slow"/>
+    </mc:Fallback>
+  </mc:AlternateContent>
   <p:timing>
     <p:tnLst>
       <p:par>
@@ -6717,7 +6208,6 @@
               <a:rPr lang="de-DE" dirty="0"/>
               <a:t>Annotation von Learning Outcomes und Items</a:t>
             </a:r>
-            <a:endParaRPr lang="de-DE" dirty="0"/>
           </a:p>
         </p:txBody>
       </p:sp>
@@ -7395,6 +6885,14 @@
   <p:clrMapOvr>
     <a:masterClrMapping/>
   </p:clrMapOvr>
+  <mc:AlternateContent xmlns:mc="http://schemas.openxmlformats.org/markup-compatibility/2006">
+    <mc:Choice xmlns:p14="http://schemas.microsoft.com/office/powerpoint/2010/main" Requires="p14">
+      <p:transition spd="slow" p14:dur="2000"/>
+    </mc:Choice>
+    <mc:Fallback>
+      <p:transition spd="slow"/>
+    </mc:Fallback>
+  </mc:AlternateContent>
   <p:timing>
     <p:tnLst>
       <p:par>
@@ -8252,6 +7750,14 @@
   <p:clrMapOvr>
     <a:masterClrMapping/>
   </p:clrMapOvr>
+  <mc:AlternateContent xmlns:mc="http://schemas.openxmlformats.org/markup-compatibility/2006">
+    <mc:Choice xmlns:p14="http://schemas.microsoft.com/office/powerpoint/2010/main" Requires="p14">
+      <p:transition spd="slow" p14:dur="2000"/>
+    </mc:Choice>
+    <mc:Fallback>
+      <p:transition spd="slow"/>
+    </mc:Fallback>
+  </mc:AlternateContent>
   <p:timing>
     <p:tnLst>
       <p:par>
@@ -8913,6 +8419,14 @@
   <p:clrMapOvr>
     <a:masterClrMapping/>
   </p:clrMapOvr>
+  <mc:AlternateContent xmlns:mc="http://schemas.openxmlformats.org/markup-compatibility/2006">
+    <mc:Choice xmlns:p14="http://schemas.microsoft.com/office/powerpoint/2010/main" Requires="p14">
+      <p:transition spd="slow" p14:dur="2000"/>
+    </mc:Choice>
+    <mc:Fallback>
+      <p:transition spd="slow"/>
+    </mc:Fallback>
+  </mc:AlternateContent>
   <p:timing>
     <p:tnLst>
       <p:par>
@@ -9575,6 +9089,14 @@
   <p:clrMapOvr>
     <a:masterClrMapping/>
   </p:clrMapOvr>
+  <mc:AlternateContent xmlns:mc="http://schemas.openxmlformats.org/markup-compatibility/2006">
+    <mc:Choice xmlns:p14="http://schemas.microsoft.com/office/powerpoint/2010/main" Requires="p14">
+      <p:transition spd="slow" p14:dur="2000"/>
+    </mc:Choice>
+    <mc:Fallback>
+      <p:transition spd="slow"/>
+    </mc:Fallback>
+  </mc:AlternateContent>
   <p:timing>
     <p:tnLst>
       <p:par>
@@ -10089,7 +9611,6 @@
               <a:rPr lang="de-DE" dirty="0"/>
               <a:t>Annotation von Learning Outcomes und Items</a:t>
             </a:r>
-            <a:endParaRPr lang="de-DE" dirty="0"/>
           </a:p>
         </p:txBody>
       </p:sp>
@@ -10757,48 +10278,6 @@
           </a:p>
         </p:txBody>
       </p:sp>
-      <p:sp>
-        <p:nvSpPr>
-          <p:cNvPr id="3" name="Interaktive Schaltfläche: Nächste(r) oder Weiter 2">
-            <a:hlinkClick r:id="rId6" action="ppaction://hlinksldjump" highlightClick="1"/>
-          </p:cNvPr>
-          <p:cNvSpPr/>
-          <p:nvPr/>
-        </p:nvSpPr>
-        <p:spPr>
-          <a:xfrm>
-            <a:off x="8380081" y="5471226"/>
-            <a:ext cx="612331" cy="581175"/>
-          </a:xfrm>
-          <a:prstGeom prst="actionButtonForwardNext">
-            <a:avLst/>
-          </a:prstGeom>
-        </p:spPr>
-        <p:style>
-          <a:lnRef idx="2">
-            <a:schemeClr val="accent1">
-              <a:shade val="50000"/>
-            </a:schemeClr>
-          </a:lnRef>
-          <a:fillRef idx="1">
-            <a:schemeClr val="accent1"/>
-          </a:fillRef>
-          <a:effectRef idx="0">
-            <a:schemeClr val="accent1"/>
-          </a:effectRef>
-          <a:fontRef idx="minor">
-            <a:schemeClr val="lt1"/>
-          </a:fontRef>
-        </p:style>
-        <p:txBody>
-          <a:bodyPr rtlCol="0" anchor="ctr"/>
-          <a:lstStyle/>
-          <a:p>
-            <a:pPr algn="ctr"/>
-            <a:endParaRPr lang="de-DE"/>
-          </a:p>
-        </p:txBody>
-      </p:sp>
     </p:spTree>
     <p:extLst>
       <p:ext uri="{BB962C8B-B14F-4D97-AF65-F5344CB8AC3E}">
@@ -10809,6 +10288,14 @@
   <p:clrMapOvr>
     <a:masterClrMapping/>
   </p:clrMapOvr>
+  <mc:AlternateContent xmlns:mc="http://schemas.openxmlformats.org/markup-compatibility/2006">
+    <mc:Choice xmlns:p14="http://schemas.microsoft.com/office/powerpoint/2010/main" Requires="p14">
+      <p:transition spd="slow" p14:dur="2000"/>
+    </mc:Choice>
+    <mc:Fallback>
+      <p:transition spd="slow"/>
+    </mc:Fallback>
+  </mc:AlternateContent>
   <p:timing>
     <p:tnLst>
       <p:par>
@@ -10941,6 +10428,14 @@
   <p:clrMapOvr>
     <a:masterClrMapping/>
   </p:clrMapOvr>
+  <mc:AlternateContent xmlns:mc="http://schemas.openxmlformats.org/markup-compatibility/2006">
+    <mc:Choice xmlns:p14="http://schemas.microsoft.com/office/powerpoint/2010/main" Requires="p14">
+      <p:transition spd="slow" p14:dur="2000"/>
+    </mc:Choice>
+    <mc:Fallback>
+      <p:transition spd="slow"/>
+    </mc:Fallback>
+  </mc:AlternateContent>
   <p:timing>
     <p:tnLst>
       <p:par>

--- a/docs/papers/2017_Delfi/EAsLiT_Delfi_2017_Vortrag.pptx
+++ b/docs/papers/2017_Delfi/EAsLiT_Delfi_2017_Vortrag.pptx
@@ -209,7 +209,7 @@
           <a:p>
             <a:fld id="{FD798601-B567-4418-90E6-6A3C1F1D0B26}" type="datetimeFigureOut">
               <a:rPr lang="de-DE" smtClean="0"/>
-              <a:t>23.08.2017</a:t>
+              <a:t>31.08.2017</a:t>
             </a:fld>
             <a:endParaRPr lang="de-DE"/>
           </a:p>
@@ -733,7 +733,7 @@
           <a:p>
             <a:fld id="{1E13E174-3914-4D58-9E24-2A0CC84D465E}" type="datetimeFigureOut">
               <a:rPr lang="de-DE" smtClean="0"/>
-              <a:t>23.08.2017</a:t>
+              <a:t>31.08.2017</a:t>
             </a:fld>
             <a:endParaRPr lang="de-DE"/>
           </a:p>
@@ -910,7 +910,7 @@
           <a:p>
             <a:fld id="{1E13E174-3914-4D58-9E24-2A0CC84D465E}" type="datetimeFigureOut">
               <a:rPr lang="de-DE" smtClean="0"/>
-              <a:t>23.08.2017</a:t>
+              <a:t>31.08.2017</a:t>
             </a:fld>
             <a:endParaRPr lang="de-DE"/>
           </a:p>
@@ -1090,7 +1090,7 @@
           <a:p>
             <a:fld id="{1E13E174-3914-4D58-9E24-2A0CC84D465E}" type="datetimeFigureOut">
               <a:rPr lang="de-DE" smtClean="0"/>
-              <a:t>23.08.2017</a:t>
+              <a:t>31.08.2017</a:t>
             </a:fld>
             <a:endParaRPr lang="de-DE"/>
           </a:p>
@@ -1599,7 +1599,7 @@
           <a:p>
             <a:fld id="{1E13E174-3914-4D58-9E24-2A0CC84D465E}" type="datetimeFigureOut">
               <a:rPr lang="de-DE" smtClean="0"/>
-              <a:t>23.08.2017</a:t>
+              <a:t>31.08.2017</a:t>
             </a:fld>
             <a:endParaRPr lang="de-DE"/>
           </a:p>
@@ -1838,7 +1838,7 @@
           <a:p>
             <a:fld id="{1E13E174-3914-4D58-9E24-2A0CC84D465E}" type="datetimeFigureOut">
               <a:rPr lang="de-DE" smtClean="0"/>
-              <a:t>23.08.2017</a:t>
+              <a:t>31.08.2017</a:t>
             </a:fld>
             <a:endParaRPr lang="de-DE"/>
           </a:p>
@@ -2205,7 +2205,7 @@
           <a:p>
             <a:fld id="{1E13E174-3914-4D58-9E24-2A0CC84D465E}" type="datetimeFigureOut">
               <a:rPr lang="de-DE" smtClean="0"/>
-              <a:t>23.08.2017</a:t>
+              <a:t>31.08.2017</a:t>
             </a:fld>
             <a:endParaRPr lang="de-DE"/>
           </a:p>
@@ -2323,7 +2323,7 @@
           <a:p>
             <a:fld id="{1E13E174-3914-4D58-9E24-2A0CC84D465E}" type="datetimeFigureOut">
               <a:rPr lang="de-DE" smtClean="0"/>
-              <a:t>23.08.2017</a:t>
+              <a:t>31.08.2017</a:t>
             </a:fld>
             <a:endParaRPr lang="de-DE"/>
           </a:p>
@@ -2418,7 +2418,7 @@
           <a:p>
             <a:fld id="{1E13E174-3914-4D58-9E24-2A0CC84D465E}" type="datetimeFigureOut">
               <a:rPr lang="de-DE" smtClean="0"/>
-              <a:t>23.08.2017</a:t>
+              <a:t>31.08.2017</a:t>
             </a:fld>
             <a:endParaRPr lang="de-DE"/>
           </a:p>
@@ -2695,7 +2695,7 @@
           <a:p>
             <a:fld id="{1E13E174-3914-4D58-9E24-2A0CC84D465E}" type="datetimeFigureOut">
               <a:rPr lang="de-DE" smtClean="0"/>
-              <a:t>23.08.2017</a:t>
+              <a:t>31.08.2017</a:t>
             </a:fld>
             <a:endParaRPr lang="de-DE"/>
           </a:p>
@@ -2952,7 +2952,7 @@
           <a:p>
             <a:fld id="{1E13E174-3914-4D58-9E24-2A0CC84D465E}" type="datetimeFigureOut">
               <a:rPr lang="de-DE" smtClean="0"/>
-              <a:t>23.08.2017</a:t>
+              <a:t>31.08.2017</a:t>
             </a:fld>
             <a:endParaRPr lang="de-DE"/>
           </a:p>
@@ -3165,7 +3165,7 @@
           <a:p>
             <a:fld id="{1E13E174-3914-4D58-9E24-2A0CC84D465E}" type="datetimeFigureOut">
               <a:rPr lang="de-DE" smtClean="0"/>
-              <a:t>23.08.2017</a:t>
+              <a:t>31.08.2017</a:t>
             </a:fld>
             <a:endParaRPr lang="de-DE"/>
           </a:p>
@@ -3806,14 +3806,14 @@
           </a:ln>
           <a:extLst>
             <a:ext uri="{909E8E84-426E-40dd-AFC4-6F175D3DCCD1}">
-              <a14:hiddenFill xmlns:a14="http://schemas.microsoft.com/office/drawing/2010/main" xmlns="">
+              <a14:hiddenFill xmlns="" xmlns:a14="http://schemas.microsoft.com/office/drawing/2010/main">
                 <a:solidFill>
                   <a:srgbClr val="FFFFFF"/>
                 </a:solidFill>
               </a14:hiddenFill>
             </a:ext>
             <a:ext uri="{91240B29-F687-4f45-9708-019B960494DF}">
-              <a14:hiddenLine xmlns:a14="http://schemas.microsoft.com/office/drawing/2010/main" xmlns="" w="9525">
+              <a14:hiddenLine xmlns="" xmlns:a14="http://schemas.microsoft.com/office/drawing/2010/main" w="9525">
                 <a:solidFill>
                   <a:srgbClr val="000000"/>
                 </a:solidFill>
@@ -3920,11 +3920,11 @@
   <p:clrMapOvr>
     <a:masterClrMapping/>
   </p:clrMapOvr>
-  <mc:AlternateContent xmlns:mc="http://schemas.openxmlformats.org/markup-compatibility/2006">
-    <mc:Choice xmlns:p14="http://schemas.microsoft.com/office/powerpoint/2010/main" Requires="p14">
+  <mc:AlternateContent xmlns:mc="http://schemas.openxmlformats.org/markup-compatibility/2006" xmlns:p14="http://schemas.microsoft.com/office/powerpoint/2010/main">
+    <mc:Choice Requires="p14">
       <p:transition spd="slow" p14:dur="2000"/>
     </mc:Choice>
-    <mc:Fallback>
+    <mc:Fallback xmlns="">
       <p:transition spd="slow"/>
     </mc:Fallback>
   </mc:AlternateContent>
@@ -4154,11 +4154,11 @@
   <p:clrMapOvr>
     <a:masterClrMapping/>
   </p:clrMapOvr>
-  <mc:AlternateContent xmlns:mc="http://schemas.openxmlformats.org/markup-compatibility/2006">
-    <mc:Choice xmlns:p14="http://schemas.microsoft.com/office/powerpoint/2010/main" Requires="p14">
+  <mc:AlternateContent xmlns:mc="http://schemas.openxmlformats.org/markup-compatibility/2006" xmlns:p14="http://schemas.microsoft.com/office/powerpoint/2010/main">
+    <mc:Choice Requires="p14">
       <p:transition spd="slow" p14:dur="2000"/>
     </mc:Choice>
-    <mc:Fallback>
+    <mc:Fallback xmlns="">
       <p:transition spd="slow"/>
     </mc:Fallback>
   </mc:AlternateContent>
@@ -4579,11 +4579,11 @@
   <p:clrMapOvr>
     <a:masterClrMapping/>
   </p:clrMapOvr>
-  <mc:AlternateContent xmlns:mc="http://schemas.openxmlformats.org/markup-compatibility/2006">
-    <mc:Choice xmlns:p14="http://schemas.microsoft.com/office/powerpoint/2010/main" Requires="p14">
+  <mc:AlternateContent xmlns:mc="http://schemas.openxmlformats.org/markup-compatibility/2006" xmlns:p14="http://schemas.microsoft.com/office/powerpoint/2010/main">
+    <mc:Choice Requires="p14">
       <p:transition spd="slow" p14:dur="2000"/>
     </mc:Choice>
-    <mc:Fallback>
+    <mc:Fallback xmlns="">
       <p:transition spd="slow"/>
     </mc:Fallback>
   </mc:AlternateContent>
@@ -4929,11 +4929,7 @@
             </a:r>
             <a:r>
               <a:rPr lang="de-DE" dirty="0" smtClean="0"/>
-              <a:t>Lern-Management-Systeme (QTI</a:t>
-            </a:r>
-            <a:r>
-              <a:rPr lang="de-DE" dirty="0" smtClean="0"/>
-              <a:t>)</a:t>
+              <a:t>Lern-Management-Systeme (QTI)</a:t>
             </a:r>
             <a:endParaRPr lang="de-DE" dirty="0"/>
           </a:p>
@@ -4964,7 +4960,6 @@
               <a:rPr lang="de-DE" dirty="0"/>
               <a:t>https://github.com/andreas-thor/eal/</a:t>
             </a:r>
-            <a:endParaRPr lang="de-DE" dirty="0"/>
           </a:p>
         </p:txBody>
       </p:sp>
@@ -4978,11 +4973,11 @@
   <p:clrMapOvr>
     <a:masterClrMapping/>
   </p:clrMapOvr>
-  <mc:AlternateContent xmlns:mc="http://schemas.openxmlformats.org/markup-compatibility/2006">
-    <mc:Choice xmlns:p14="http://schemas.microsoft.com/office/powerpoint/2010/main" Requires="p14">
+  <mc:AlternateContent xmlns:mc="http://schemas.openxmlformats.org/markup-compatibility/2006" xmlns:p14="http://schemas.microsoft.com/office/powerpoint/2010/main">
+    <mc:Choice Requires="p14">
       <p:transition spd="slow" p14:dur="2000"/>
     </mc:Choice>
-    <mc:Fallback>
+    <mc:Fallback xmlns="">
       <p:transition spd="slow"/>
     </mc:Fallback>
   </mc:AlternateContent>
@@ -5049,7 +5044,7 @@
         <p:spPr/>
         <p:txBody>
           <a:bodyPr>
-            <a:normAutofit/>
+            <a:normAutofit lnSpcReduction="10000"/>
           </a:bodyPr>
           <a:lstStyle/>
           <a:p>
@@ -5127,6 +5122,18 @@
             <a:r>
               <a:rPr lang="de-DE" dirty="0" smtClean="0"/>
               <a:t>Klausurerstellung</a:t>
+            </a:r>
+          </a:p>
+          <a:p>
+            <a:endParaRPr lang="de-DE" dirty="0"/>
+          </a:p>
+          <a:p>
+            <a:pPr marL="0" indent="0">
+              <a:buNone/>
+            </a:pPr>
+            <a:r>
+              <a:rPr lang="de-DE" dirty="0" smtClean="0"/>
+              <a:t>http://www.easlit.de</a:t>
             </a:r>
             <a:endParaRPr lang="de-DE" dirty="0"/>
           </a:p>
@@ -5256,11 +5263,11 @@
   <p:clrMapOvr>
     <a:masterClrMapping/>
   </p:clrMapOvr>
-  <mc:AlternateContent xmlns:mc="http://schemas.openxmlformats.org/markup-compatibility/2006">
-    <mc:Choice xmlns:p14="http://schemas.microsoft.com/office/powerpoint/2010/main" Requires="p14">
+  <mc:AlternateContent xmlns:mc="http://schemas.openxmlformats.org/markup-compatibility/2006" xmlns:p14="http://schemas.microsoft.com/office/powerpoint/2010/main">
+    <mc:Choice Requires="p14">
       <p:transition spd="slow" p14:dur="2000"/>
     </mc:Choice>
-    <mc:Fallback>
+    <mc:Fallback xmlns="">
       <p:transition spd="slow"/>
     </mc:Fallback>
   </mc:AlternateContent>
@@ -5478,19 +5485,7 @@
               <a:rPr lang="de-DE" dirty="0" smtClean="0">
                 <a:sym typeface="Wingdings" panose="05000000000000000000" pitchFamily="2" charset="2"/>
               </a:rPr>
-              <a:t>Notwendigkeit mehrerer, </a:t>
-            </a:r>
-            <a:r>
-              <a:rPr lang="de-DE" dirty="0" smtClean="0">
-                <a:sym typeface="Wingdings" panose="05000000000000000000" pitchFamily="2" charset="2"/>
-              </a:rPr>
-              <a:t>kompetenz-äquivalenter </a:t>
-            </a:r>
-            <a:r>
-              <a:rPr lang="de-DE" dirty="0" smtClean="0">
-                <a:sym typeface="Wingdings" panose="05000000000000000000" pitchFamily="2" charset="2"/>
-              </a:rPr>
-              <a:t>E-Prüfungen für große Kohorten</a:t>
+              <a:t>Notwendigkeit mehrerer, kompetenz-äquivalenter E-Prüfungen für große Kohorten</a:t>
             </a:r>
             <a:endParaRPr lang="de-DE" dirty="0"/>
           </a:p>
@@ -5592,11 +5587,11 @@
   <p:clrMapOvr>
     <a:masterClrMapping/>
   </p:clrMapOvr>
-  <mc:AlternateContent xmlns:mc="http://schemas.openxmlformats.org/markup-compatibility/2006">
-    <mc:Choice xmlns:p14="http://schemas.microsoft.com/office/powerpoint/2010/main" Requires="p14">
+  <mc:AlternateContent xmlns:mc="http://schemas.openxmlformats.org/markup-compatibility/2006" xmlns:p14="http://schemas.microsoft.com/office/powerpoint/2010/main">
+    <mc:Choice Requires="p14">
       <p:transition spd="slow" p14:dur="2000"/>
     </mc:Choice>
-    <mc:Fallback>
+    <mc:Fallback xmlns="">
       <p:transition spd="slow"/>
     </mc:Fallback>
   </mc:AlternateContent>
@@ -5981,11 +5976,11 @@
   <p:clrMapOvr>
     <a:masterClrMapping/>
   </p:clrMapOvr>
-  <mc:AlternateContent xmlns:mc="http://schemas.openxmlformats.org/markup-compatibility/2006">
-    <mc:Choice xmlns:p14="http://schemas.microsoft.com/office/powerpoint/2010/main" Requires="p14">
+  <mc:AlternateContent xmlns:mc="http://schemas.openxmlformats.org/markup-compatibility/2006" xmlns:p14="http://schemas.microsoft.com/office/powerpoint/2010/main">
+    <mc:Choice Requires="p14">
       <p:transition spd="slow" p14:dur="2000"/>
     </mc:Choice>
-    <mc:Fallback>
+    <mc:Fallback xmlns="">
       <p:transition spd="slow"/>
     </mc:Fallback>
   </mc:AlternateContent>
@@ -6885,11 +6880,11 @@
   <p:clrMapOvr>
     <a:masterClrMapping/>
   </p:clrMapOvr>
-  <mc:AlternateContent xmlns:mc="http://schemas.openxmlformats.org/markup-compatibility/2006">
-    <mc:Choice xmlns:p14="http://schemas.microsoft.com/office/powerpoint/2010/main" Requires="p14">
+  <mc:AlternateContent xmlns:mc="http://schemas.openxmlformats.org/markup-compatibility/2006" xmlns:p14="http://schemas.microsoft.com/office/powerpoint/2010/main">
+    <mc:Choice Requires="p14">
       <p:transition spd="slow" p14:dur="2000"/>
     </mc:Choice>
-    <mc:Fallback>
+    <mc:Fallback xmlns="">
       <p:transition spd="slow"/>
     </mc:Fallback>
   </mc:AlternateContent>
@@ -7750,11 +7745,11 @@
   <p:clrMapOvr>
     <a:masterClrMapping/>
   </p:clrMapOvr>
-  <mc:AlternateContent xmlns:mc="http://schemas.openxmlformats.org/markup-compatibility/2006">
-    <mc:Choice xmlns:p14="http://schemas.microsoft.com/office/powerpoint/2010/main" Requires="p14">
+  <mc:AlternateContent xmlns:mc="http://schemas.openxmlformats.org/markup-compatibility/2006" xmlns:p14="http://schemas.microsoft.com/office/powerpoint/2010/main">
+    <mc:Choice Requires="p14">
       <p:transition spd="slow" p14:dur="2000"/>
     </mc:Choice>
-    <mc:Fallback>
+    <mc:Fallback xmlns="">
       <p:transition spd="slow"/>
     </mc:Fallback>
   </mc:AlternateContent>
@@ -8419,11 +8414,11 @@
   <p:clrMapOvr>
     <a:masterClrMapping/>
   </p:clrMapOvr>
-  <mc:AlternateContent xmlns:mc="http://schemas.openxmlformats.org/markup-compatibility/2006">
-    <mc:Choice xmlns:p14="http://schemas.microsoft.com/office/powerpoint/2010/main" Requires="p14">
+  <mc:AlternateContent xmlns:mc="http://schemas.openxmlformats.org/markup-compatibility/2006" xmlns:p14="http://schemas.microsoft.com/office/powerpoint/2010/main">
+    <mc:Choice Requires="p14">
       <p:transition spd="slow" p14:dur="2000"/>
     </mc:Choice>
-    <mc:Fallback>
+    <mc:Fallback xmlns="">
       <p:transition spd="slow"/>
     </mc:Fallback>
   </mc:AlternateContent>
@@ -9089,11 +9084,11 @@
   <p:clrMapOvr>
     <a:masterClrMapping/>
   </p:clrMapOvr>
-  <mc:AlternateContent xmlns:mc="http://schemas.openxmlformats.org/markup-compatibility/2006">
-    <mc:Choice xmlns:p14="http://schemas.microsoft.com/office/powerpoint/2010/main" Requires="p14">
+  <mc:AlternateContent xmlns:mc="http://schemas.openxmlformats.org/markup-compatibility/2006" xmlns:p14="http://schemas.microsoft.com/office/powerpoint/2010/main">
+    <mc:Choice Requires="p14">
       <p:transition spd="slow" p14:dur="2000"/>
     </mc:Choice>
-    <mc:Fallback>
+    <mc:Fallback xmlns="">
       <p:transition spd="slow"/>
     </mc:Fallback>
   </mc:AlternateContent>
@@ -10288,11 +10283,11 @@
   <p:clrMapOvr>
     <a:masterClrMapping/>
   </p:clrMapOvr>
-  <mc:AlternateContent xmlns:mc="http://schemas.openxmlformats.org/markup-compatibility/2006">
-    <mc:Choice xmlns:p14="http://schemas.microsoft.com/office/powerpoint/2010/main" Requires="p14">
+  <mc:AlternateContent xmlns:mc="http://schemas.openxmlformats.org/markup-compatibility/2006" xmlns:p14="http://schemas.microsoft.com/office/powerpoint/2010/main">
+    <mc:Choice Requires="p14">
       <p:transition spd="slow" p14:dur="2000"/>
     </mc:Choice>
-    <mc:Fallback>
+    <mc:Fallback xmlns="">
       <p:transition spd="slow"/>
     </mc:Fallback>
   </mc:AlternateContent>
@@ -10428,11 +10423,11 @@
   <p:clrMapOvr>
     <a:masterClrMapping/>
   </p:clrMapOvr>
-  <mc:AlternateContent xmlns:mc="http://schemas.openxmlformats.org/markup-compatibility/2006">
-    <mc:Choice xmlns:p14="http://schemas.microsoft.com/office/powerpoint/2010/main" Requires="p14">
+  <mc:AlternateContent xmlns:mc="http://schemas.openxmlformats.org/markup-compatibility/2006" xmlns:p14="http://schemas.microsoft.com/office/powerpoint/2010/main">
+    <mc:Choice Requires="p14">
       <p:transition spd="slow" p14:dur="2000"/>
     </mc:Choice>
-    <mc:Fallback>
+    <mc:Fallback xmlns="">
       <p:transition spd="slow"/>
     </mc:Fallback>
   </mc:AlternateContent>

--- a/docs/papers/2017_Delfi/EAsLiT_Delfi_2017_Vortrag.pptx
+++ b/docs/papers/2017_Delfi/EAsLiT_Delfi_2017_Vortrag.pptx
@@ -209,7 +209,7 @@
           <a:p>
             <a:fld id="{FD798601-B567-4418-90E6-6A3C1F1D0B26}" type="datetimeFigureOut">
               <a:rPr lang="de-DE" smtClean="0"/>
-              <a:t>31.08.2017</a:t>
+              <a:t>04.09.2017</a:t>
             </a:fld>
             <a:endParaRPr lang="de-DE"/>
           </a:p>
@@ -733,7 +733,7 @@
           <a:p>
             <a:fld id="{1E13E174-3914-4D58-9E24-2A0CC84D465E}" type="datetimeFigureOut">
               <a:rPr lang="de-DE" smtClean="0"/>
-              <a:t>31.08.2017</a:t>
+              <a:t>04.09.2017</a:t>
             </a:fld>
             <a:endParaRPr lang="de-DE"/>
           </a:p>
@@ -910,7 +910,7 @@
           <a:p>
             <a:fld id="{1E13E174-3914-4D58-9E24-2A0CC84D465E}" type="datetimeFigureOut">
               <a:rPr lang="de-DE" smtClean="0"/>
-              <a:t>31.08.2017</a:t>
+              <a:t>04.09.2017</a:t>
             </a:fld>
             <a:endParaRPr lang="de-DE"/>
           </a:p>
@@ -1090,7 +1090,7 @@
           <a:p>
             <a:fld id="{1E13E174-3914-4D58-9E24-2A0CC84D465E}" type="datetimeFigureOut">
               <a:rPr lang="de-DE" smtClean="0"/>
-              <a:t>31.08.2017</a:t>
+              <a:t>04.09.2017</a:t>
             </a:fld>
             <a:endParaRPr lang="de-DE"/>
           </a:p>
@@ -1599,7 +1599,7 @@
           <a:p>
             <a:fld id="{1E13E174-3914-4D58-9E24-2A0CC84D465E}" type="datetimeFigureOut">
               <a:rPr lang="de-DE" smtClean="0"/>
-              <a:t>31.08.2017</a:t>
+              <a:t>04.09.2017</a:t>
             </a:fld>
             <a:endParaRPr lang="de-DE"/>
           </a:p>
@@ -1838,7 +1838,7 @@
           <a:p>
             <a:fld id="{1E13E174-3914-4D58-9E24-2A0CC84D465E}" type="datetimeFigureOut">
               <a:rPr lang="de-DE" smtClean="0"/>
-              <a:t>31.08.2017</a:t>
+              <a:t>04.09.2017</a:t>
             </a:fld>
             <a:endParaRPr lang="de-DE"/>
           </a:p>
@@ -2205,7 +2205,7 @@
           <a:p>
             <a:fld id="{1E13E174-3914-4D58-9E24-2A0CC84D465E}" type="datetimeFigureOut">
               <a:rPr lang="de-DE" smtClean="0"/>
-              <a:t>31.08.2017</a:t>
+              <a:t>04.09.2017</a:t>
             </a:fld>
             <a:endParaRPr lang="de-DE"/>
           </a:p>
@@ -2323,7 +2323,7 @@
           <a:p>
             <a:fld id="{1E13E174-3914-4D58-9E24-2A0CC84D465E}" type="datetimeFigureOut">
               <a:rPr lang="de-DE" smtClean="0"/>
-              <a:t>31.08.2017</a:t>
+              <a:t>04.09.2017</a:t>
             </a:fld>
             <a:endParaRPr lang="de-DE"/>
           </a:p>
@@ -2418,7 +2418,7 @@
           <a:p>
             <a:fld id="{1E13E174-3914-4D58-9E24-2A0CC84D465E}" type="datetimeFigureOut">
               <a:rPr lang="de-DE" smtClean="0"/>
-              <a:t>31.08.2017</a:t>
+              <a:t>04.09.2017</a:t>
             </a:fld>
             <a:endParaRPr lang="de-DE"/>
           </a:p>
@@ -2695,7 +2695,7 @@
           <a:p>
             <a:fld id="{1E13E174-3914-4D58-9E24-2A0CC84D465E}" type="datetimeFigureOut">
               <a:rPr lang="de-DE" smtClean="0"/>
-              <a:t>31.08.2017</a:t>
+              <a:t>04.09.2017</a:t>
             </a:fld>
             <a:endParaRPr lang="de-DE"/>
           </a:p>
@@ -2952,7 +2952,7 @@
           <a:p>
             <a:fld id="{1E13E174-3914-4D58-9E24-2A0CC84D465E}" type="datetimeFigureOut">
               <a:rPr lang="de-DE" smtClean="0"/>
-              <a:t>31.08.2017</a:t>
+              <a:t>04.09.2017</a:t>
             </a:fld>
             <a:endParaRPr lang="de-DE"/>
           </a:p>
@@ -3165,7 +3165,7 @@
           <a:p>
             <a:fld id="{1E13E174-3914-4D58-9E24-2A0CC84D465E}" type="datetimeFigureOut">
               <a:rPr lang="de-DE" smtClean="0"/>
-              <a:t>31.08.2017</a:t>
+              <a:t>04.09.2017</a:t>
             </a:fld>
             <a:endParaRPr lang="de-DE"/>
           </a:p>
@@ -3806,14 +3806,14 @@
           </a:ln>
           <a:extLst>
             <a:ext uri="{909E8E84-426E-40dd-AFC4-6F175D3DCCD1}">
-              <a14:hiddenFill xmlns="" xmlns:a14="http://schemas.microsoft.com/office/drawing/2010/main">
+              <a14:hiddenFill xmlns:a14="http://schemas.microsoft.com/office/drawing/2010/main" xmlns="">
                 <a:solidFill>
                   <a:srgbClr val="FFFFFF"/>
                 </a:solidFill>
               </a14:hiddenFill>
             </a:ext>
             <a:ext uri="{91240B29-F687-4f45-9708-019B960494DF}">
-              <a14:hiddenLine xmlns="" xmlns:a14="http://schemas.microsoft.com/office/drawing/2010/main" w="9525">
+              <a14:hiddenLine xmlns:a14="http://schemas.microsoft.com/office/drawing/2010/main" xmlns="" w="9525">
                 <a:solidFill>
                   <a:srgbClr val="000000"/>
                 </a:solidFill>
